--- a/src/Java/java1.pptx
+++ b/src/Java/java1.pptx
@@ -11,13 +11,23 @@
     <p:sldId id="256" r:id="rId8"/>
     <p:sldId id="257" r:id="rId9"/>
     <p:sldId id="258" r:id="rId10"/>
-    <p:sldId id="259" r:id="rId12"/>
-    <p:sldId id="260" r:id="rId14"/>
-    <p:sldId id="261" r:id="rId15"/>
-    <p:sldId id="262" r:id="rId16"/>
+    <p:sldId id="259" r:id="rId11"/>
+    <p:sldId id="260" r:id="rId12"/>
+    <p:sldId id="261" r:id="rId13"/>
+    <p:sldId id="262" r:id="rId15"/>
     <p:sldId id="263" r:id="rId17"/>
-    <p:sldId id="264" r:id="rId19"/>
-    <p:sldId id="265" r:id="rId20"/>
+    <p:sldId id="264" r:id="rId18"/>
+    <p:sldId id="265" r:id="rId19"/>
+    <p:sldId id="266" r:id="rId21"/>
+    <p:sldId id="267" r:id="rId22"/>
+    <p:sldId id="268" r:id="rId24"/>
+    <p:sldId id="269" r:id="rId26"/>
+    <p:sldId id="270" r:id="rId27"/>
+    <p:sldId id="271" r:id="rId28"/>
+    <p:sldId id="272" r:id="rId29"/>
+    <p:sldId id="273" r:id="rId30"/>
+    <p:sldId id="274" r:id="rId31"/>
+    <p:sldId id="275" r:id="rId32"/>
   </p:sldIdLst>
   <p:sldSz cx="13004800" cy="9753600"/>
   <p:notesSz cx="6858000" cy="9144000"/>
@@ -324,7 +334,7 @@
 
 <file path=ppt/commentAuthors.xml><?xml version="1.0" encoding="utf-8"?>
 <p:cmAuthorLst xmlns:a="http://schemas.openxmlformats.org/drawingml/2006/main" xmlns:r="http://schemas.openxmlformats.org/officeDocument/2006/relationships" xmlns:p="http://schemas.openxmlformats.org/presentationml/2006/main">
-  <p:cmAuthor id="0" name="nofloat" initials="n" lastIdx="4" clrIdx="0"/>
+  <p:cmAuthor id="0" name="nofloat" initials="n" lastIdx="5" clrIdx="0"/>
 </p:cmAuthorLst>
 </file>
 
@@ -352,22 +362,23 @@
 
 <file path=ppt/comments/comment3.xml><?xml version="1.0" encoding="utf-8"?>
 <p:cmLst xmlns:a="http://schemas.openxmlformats.org/drawingml/2006/main" xmlns:r="http://schemas.openxmlformats.org/officeDocument/2006/relationships" xmlns:p="http://schemas.openxmlformats.org/presentationml/2006/main">
-  <p:cm authorId="0" dt="2016-08-06T14:06:06.871" idx="3">
+  <p:cm authorId="0" dt="2016-08-06T12:59:39.051" idx="3">
     <p:pos x="4096" y="3612"/>
-    <p:text>Date d = new Date();//实际是先引用一个对象，d引用了新创建的对象
+    <p:text>Date d = new Date();//实际是先创建一个对象，d引用了新创建的对象
 修改的只是函数域内的变量值
 double a =1;
 A.addOne(a);
 System.out.println(a);//1
 所以如果要改变值，传递对象。然后内部调用对象属性修改
-类名首字母大写；包的路径符合所开发的 系统模块的定义。如com.redrock(nofloat).xbs.string</p:text>
+类名首字母大写；包的路径符合所开发的 系统模块的定义。如com.redrock(nofloat).xbs.string
+</p:text>
   </p:cm>
 </p:cmLst>
 </file>
 
 <file path=ppt/comments/comment4.xml><?xml version="1.0" encoding="utf-8"?>
 <p:cmLst xmlns:a="http://schemas.openxmlformats.org/drawingml/2006/main" xmlns:r="http://schemas.openxmlformats.org/officeDocument/2006/relationships" xmlns:p="http://schemas.openxmlformats.org/presentationml/2006/main">
-  <p:cm authorId="0" dt="2016-08-06T15:04:58.426" idx="4">
+  <p:cm authorId="0" dt="2016-08-06T15:26:13.896" idx="4">
     <p:pos x="3984" y="3616"/>
     <p:text>People  是父类，Man 是子类 Son是子类
 People three =  new People[3];
@@ -385,6 +396,17 @@
 		for(String a:strings){
 		}
 	}</p:text>
+  </p:cm>
+</p:cmLst>
+</file>
+
+<file path=ppt/comments/comment5.xml><?xml version="1.0" encoding="utf-8"?>
+<p:cmLst xmlns:a="http://schemas.openxmlformats.org/drawingml/2006/main" xmlns:r="http://schemas.openxmlformats.org/officeDocument/2006/relationships" xmlns:p="http://schemas.openxmlformats.org/presentationml/2006/main">
+  <p:cm authorId="0" dt="2016-08-07T11:24:50.235" idx="5">
+    <p:pos x="3984" y="3552"/>
+    <p:text>因为Java受保护访问规则的问题，内容比较多，可以百度下
+不同包下，继承后访问的是当前子类的该方法，不是父类的该方法
+</p:text>
   </p:cm>
 </p:cmLst>
 </file>
@@ -3116,7 +3138,7 @@
       </p:grpSpPr>
       <p:sp>
         <p:nvSpPr>
-          <p:cNvPr id="145" name="Shape 145"/>
+          <p:cNvPr id="144" name="Shape 144"/>
           <p:cNvSpPr/>
           <p:nvPr>
             <p:ph type="title"/>
@@ -3131,16 +3153,287 @@
           <a:bodyPr/>
           <a:lstStyle/>
           <a:p>
-            <a:pPr/>
-            <a:r>
-              <a:t>继承</a:t>
+            <a:pPr lvl="1"/>
+            <a:r>
+              <a:t>类</a:t>
             </a:r>
           </a:p>
         </p:txBody>
       </p:sp>
       <p:sp>
         <p:nvSpPr>
-          <p:cNvPr id="146" name="Shape 146"/>
+          <p:cNvPr id="145" name="Shape 145"/>
+          <p:cNvSpPr/>
+          <p:nvPr>
+            <p:ph type="body" idx="1"/>
+          </p:nvPr>
+        </p:nvSpPr>
+        <p:spPr>
+          <a:prstGeom prst="rect">
+            <a:avLst/>
+          </a:prstGeom>
+        </p:spPr>
+        <p:txBody>
+          <a:bodyPr/>
+          <a:lstStyle/>
+          <a:p>
+            <a:pPr marL="257809" indent="-257809" defTabSz="338835">
+              <a:spcBef>
+                <a:spcPts val="2400"/>
+              </a:spcBef>
+              <a:defRPr sz="2204"/>
+            </a:pPr>
+            <a:r>
+              <a:t>一个对象变量不会实际包含一个对象，只会引用一个对象</a:t>
+            </a:r>
+          </a:p>
+          <a:p>
+            <a:pPr marL="257809" indent="-257809" defTabSz="338835">
+              <a:spcBef>
+                <a:spcPts val="2400"/>
+              </a:spcBef>
+              <a:defRPr sz="2204"/>
+            </a:pPr>
+            <a:r>
+              <a:t>习惯上更改器setName()，访问器getName()//属性私有</a:t>
+            </a:r>
+          </a:p>
+          <a:p>
+            <a:pPr marL="257809" indent="-257809" defTabSz="338835">
+              <a:spcBef>
+                <a:spcPts val="2400"/>
+              </a:spcBef>
+              <a:defRPr sz="2204"/>
+            </a:pPr>
+            <a:r>
+              <a:t>Java方法是按值传递</a:t>
+            </a:r>
+          </a:p>
+          <a:p>
+            <a:pPr marL="257809" indent="-257809" defTabSz="338835">
+              <a:spcBef>
+                <a:spcPts val="2400"/>
+              </a:spcBef>
+              <a:defRPr sz="2204"/>
+            </a:pPr>
+            <a:r>
+              <a:t>构造器没有显示地赋值，就会自动赋默认值数值为0，boolean为false，对象引用为null</a:t>
+            </a:r>
+          </a:p>
+          <a:p>
+            <a:pPr marL="257809" indent="-257809" defTabSz="338835">
+              <a:spcBef>
+                <a:spcPts val="2400"/>
+              </a:spcBef>
+              <a:defRPr sz="2204"/>
+            </a:pPr>
+            <a:r>
+              <a:t>系统</a:t>
+            </a:r>
+            <a:r>
+              <a:rPr>
+                <a:solidFill>
+                  <a:srgbClr val="FF2800"/>
+                </a:solidFill>
+              </a:rPr>
+              <a:t>只有</a:t>
+            </a:r>
+            <a:r>
+              <a:t>当对象没有构造函数时，才会提供默认的构造函数，好习惯是写一个无参构造函数。</a:t>
+            </a:r>
+          </a:p>
+          <a:p>
+            <a:pPr marL="257809" indent="-257809" defTabSz="338835">
+              <a:spcBef>
+                <a:spcPts val="2400"/>
+              </a:spcBef>
+              <a:defRPr sz="2204"/>
+            </a:pPr>
+            <a:r>
+              <a:t>构造器中写如同this()；就是调用同一类的其他。</a:t>
+            </a:r>
+          </a:p>
+          <a:p>
+            <a:pPr marL="257809" indent="-257809" defTabSz="338835">
+              <a:spcBef>
+                <a:spcPts val="2400"/>
+              </a:spcBef>
+              <a:defRPr sz="2204"/>
+            </a:pPr>
+            <a:r>
+              <a:t>Java用包管理类。命名规范</a:t>
+            </a:r>
+          </a:p>
+          <a:p>
+            <a:pPr marL="257809" indent="-257809" defTabSz="338835">
+              <a:spcBef>
+                <a:spcPts val="2400"/>
+              </a:spcBef>
+              <a:defRPr sz="2204"/>
+            </a:pPr>
+            <a:r>
+              <a:t>范型类</a:t>
+            </a:r>
+          </a:p>
+        </p:txBody>
+      </p:sp>
+    </p:spTree>
+  </p:cSld>
+  <p:clrMapOvr>
+    <a:masterClrMapping/>
+  </p:clrMapOvr>
+  <p:transition xmlns:p14="http://schemas.microsoft.com/office/powerpoint/2010/main" spd="med" advClick="1" p14:dur="1000"/>
+</p:sld>
+</file>
+
+<file path=ppt/slides/slide11.xml><?xml version="1.0" encoding="utf-8"?>
+<p:sld xmlns:a="http://schemas.openxmlformats.org/drawingml/2006/main" xmlns:r="http://schemas.openxmlformats.org/officeDocument/2006/relationships" xmlns:p="http://schemas.openxmlformats.org/presentationml/2006/main" showMasterSp="1" showMasterPhAnim="1">
+  <p:cSld>
+    <p:spTree>
+      <p:nvGrpSpPr>
+        <p:cNvPr id="1" name=""/>
+        <p:cNvGrpSpPr/>
+        <p:nvPr/>
+      </p:nvGrpSpPr>
+      <p:grpSpPr>
+        <a:xfrm>
+          <a:off x="0" y="0"/>
+          <a:ext cx="0" cy="0"/>
+          <a:chOff x="0" y="0"/>
+          <a:chExt cx="0" cy="0"/>
+        </a:xfrm>
+      </p:grpSpPr>
+      <p:sp>
+        <p:nvSpPr>
+          <p:cNvPr id="147" name="Shape 147"/>
+          <p:cNvSpPr/>
+          <p:nvPr>
+            <p:ph type="title"/>
+          </p:nvPr>
+        </p:nvSpPr>
+        <p:spPr>
+          <a:prstGeom prst="rect">
+            <a:avLst/>
+          </a:prstGeom>
+        </p:spPr>
+        <p:txBody>
+          <a:bodyPr/>
+          <a:lstStyle/>
+          <a:p>
+            <a:pPr lvl="1" indent="178307" defTabSz="455675">
+              <a:defRPr sz="6240"/>
+            </a:pPr>
+            <a:r>
+              <a:t>类设计技巧(单指类，不全是oop</a:t>
+            </a:r>
+          </a:p>
+        </p:txBody>
+      </p:sp>
+      <p:sp>
+        <p:nvSpPr>
+          <p:cNvPr id="148" name="Shape 148"/>
+          <p:cNvSpPr/>
+          <p:nvPr>
+            <p:ph type="body" idx="1"/>
+          </p:nvPr>
+        </p:nvSpPr>
+        <p:spPr>
+          <a:xfrm>
+            <a:off x="952500" y="2603500"/>
+            <a:ext cx="11099800" cy="6286500"/>
+          </a:xfrm>
+          <a:prstGeom prst="rect">
+            <a:avLst/>
+          </a:prstGeom>
+        </p:spPr>
+        <p:txBody>
+          <a:bodyPr/>
+          <a:lstStyle/>
+          <a:p>
+            <a:pPr/>
+            <a:r>
+              <a:t>保证数据私有，不要破坏封装性</a:t>
+            </a:r>
+          </a:p>
+          <a:p>
+            <a:pPr/>
+            <a:r>
+              <a:t>对数据初始化</a:t>
+            </a:r>
+          </a:p>
+          <a:p>
+            <a:pPr/>
+            <a:r>
+              <a:t>不要在类中使用过多基本变量(就是指通过将基本类型封装到对象之中，通过调用对象方法实现</a:t>
+            </a:r>
+          </a:p>
+          <a:p>
+            <a:pPr/>
+            <a:r>
+              <a:t>不是所有的都需要设置访问器和更改器</a:t>
+            </a:r>
+          </a:p>
+          <a:p>
+            <a:pPr/>
+            <a:r>
+              <a:t>分割功能过多的类</a:t>
+            </a:r>
+          </a:p>
+        </p:txBody>
+      </p:sp>
+    </p:spTree>
+  </p:cSld>
+  <p:clrMapOvr>
+    <a:masterClrMapping/>
+  </p:clrMapOvr>
+  <p:transition xmlns:p14="http://schemas.microsoft.com/office/powerpoint/2010/main" spd="med" advClick="1" p14:dur="1000"/>
+</p:sld>
+</file>
+
+<file path=ppt/slides/slide12.xml><?xml version="1.0" encoding="utf-8"?>
+<p:sld xmlns:a="http://schemas.openxmlformats.org/drawingml/2006/main" xmlns:r="http://schemas.openxmlformats.org/officeDocument/2006/relationships" xmlns:p="http://schemas.openxmlformats.org/presentationml/2006/main" showMasterSp="1" showMasterPhAnim="1">
+  <p:cSld>
+    <p:spTree>
+      <p:nvGrpSpPr>
+        <p:cNvPr id="1" name=""/>
+        <p:cNvGrpSpPr/>
+        <p:nvPr/>
+      </p:nvGrpSpPr>
+      <p:grpSpPr>
+        <a:xfrm>
+          <a:off x="0" y="0"/>
+          <a:ext cx="0" cy="0"/>
+          <a:chOff x="0" y="0"/>
+          <a:chExt cx="0" cy="0"/>
+        </a:xfrm>
+      </p:grpSpPr>
+      <p:sp>
+        <p:nvSpPr>
+          <p:cNvPr id="150" name="Shape 150"/>
+          <p:cNvSpPr/>
+          <p:nvPr>
+            <p:ph type="title"/>
+          </p:nvPr>
+        </p:nvSpPr>
+        <p:spPr>
+          <a:prstGeom prst="rect">
+            <a:avLst/>
+          </a:prstGeom>
+        </p:spPr>
+        <p:txBody>
+          <a:bodyPr/>
+          <a:lstStyle/>
+          <a:p>
+            <a:pPr/>
+            <a:r>
+              <a:t>继承</a:t>
+            </a:r>
+          </a:p>
+        </p:txBody>
+      </p:sp>
+      <p:sp>
+        <p:nvSpPr>
+          <p:cNvPr id="151" name="Shape 151"/>
           <p:cNvSpPr/>
           <p:nvPr>
             <p:ph type="body" idx="1"/>
@@ -3181,6 +3474,17 @@
             </a:r>
           </a:p>
           <a:p>
+            <a:pPr lvl="1" marL="382270" indent="-191135" defTabSz="251206">
+              <a:spcBef>
+                <a:spcPts val="1800"/>
+              </a:spcBef>
+              <a:defRPr sz="1634"/>
+            </a:pPr>
+            <a:r>
+              <a:t>Java中调用子类构造函数时，会先调用父类的无参构造函数//JVM中在构造子类对象时，会发现其有父类，因而先构造父类对象。</a:t>
+            </a:r>
+          </a:p>
+          <a:p>
             <a:pPr marL="191135" indent="-191135" defTabSz="251206">
               <a:spcBef>
                 <a:spcPts val="1800"/>
@@ -3188,7 +3492,7 @@
               <a:defRPr sz="1634"/>
             </a:pPr>
             <a:r>
-              <a:t>Java中调用子类构造函数时，会先调用父类的无参构造函数//JVM中在构造子类对象时，会发现其有父类，因而先构造父类对象。</a:t>
+              <a:t>多态:一个对象可以指示多种实际类型现象(对象变量可以引用子类对象//Java和c++思想不一样。c++默认不具有多态性，Java默认是有多态性的，但是需要考虑什么时候是不支持多态的，需要加final声明。</a:t>
             </a:r>
           </a:p>
           <a:p>
@@ -3199,7 +3503,7 @@
               <a:defRPr sz="1634"/>
             </a:pPr>
             <a:r>
-              <a:t>多态:一个对象可以指示多种实际类型现象(对象变量可以引用子类对象//Java和c++思想不一样。c++默认不具有多态性，Java默认是有多态性的，但是需要考虑什么时候是不支持多态的，需要加final声明。</a:t>
+              <a:t>Object类是所有类的始祖类(超类)，其他重写类需要继承或重写的方法，如equals根据情况重写,hashCode(),toString()</a:t>
             </a:r>
           </a:p>
           <a:p>
@@ -3210,7 +3514,7 @@
               <a:defRPr sz="1634"/>
             </a:pPr>
             <a:r>
-              <a:t>Object类是所有类的始祖类(超类)，其他重写类需要继承或重写的方法，如equals根据情况重写,hashCode(),toString()</a:t>
+              <a:t>基本数据类型的对象包装，如Integer、Long、Float</a:t>
             </a:r>
           </a:p>
           <a:p>
@@ -3221,7 +3525,7 @@
               <a:defRPr sz="1634"/>
             </a:pPr>
             <a:r>
-              <a:t>基本数据类型的对象包装，如Integer、Long、Float</a:t>
+              <a:t>参数数量可变的方式通过...实现，如栗子</a:t>
             </a:r>
           </a:p>
           <a:p>
@@ -3232,7 +3536,7 @@
               <a:defRPr sz="1634"/>
             </a:pPr>
             <a:r>
-              <a:t>参数数量可变的方式通过...实现，如栗子</a:t>
+              <a:t>反射(Java反射机制很屌的，Java写了反射库，大量用于JavaBean(Java组件体系，后面会讲)，反射机制可以用来分析累的能力，查看对象等等，但是程序员基本不用写这部分，写实用工具的需要。但是反射很脆弱，减少使用。</a:t>
             </a:r>
           </a:p>
           <a:p>
@@ -3243,18 +3547,705 @@
               <a:defRPr sz="1634"/>
             </a:pPr>
             <a:r>
-              <a:t>反射(Java反射机制很屌的，Java写了反射库，大量用于JavaBean(Java组件体系，后面会讲)，反射机制可以用来分析累的能力，查看对象等等，但是程序员基本不用写这部分，写实用工具的需要。但是反射很脆弱，减少使用。</a:t>
-            </a:r>
-          </a:p>
-          <a:p>
-            <a:pPr marL="191135" indent="-191135" defTabSz="251206">
+              <a:t>捕获异常，相比于php，Java很“敏感”。IDE会各种提示捕获异常，除了try catch模块，还有finally就是无论对错都执行的模块。</a:t>
+            </a:r>
+          </a:p>
+        </p:txBody>
+      </p:sp>
+    </p:spTree>
+  </p:cSld>
+  <p:clrMapOvr>
+    <a:masterClrMapping/>
+  </p:clrMapOvr>
+  <p:transition xmlns:p14="http://schemas.microsoft.com/office/powerpoint/2010/main" spd="med" advClick="1" p14:dur="1000"/>
+</p:sld>
+</file>
+
+<file path=ppt/slides/slide13.xml><?xml version="1.0" encoding="utf-8"?>
+<p:sld xmlns:a="http://schemas.openxmlformats.org/drawingml/2006/main" xmlns:r="http://schemas.openxmlformats.org/officeDocument/2006/relationships" xmlns:p="http://schemas.openxmlformats.org/presentationml/2006/main" showMasterSp="1" showMasterPhAnim="1">
+  <p:cSld>
+    <p:spTree>
+      <p:nvGrpSpPr>
+        <p:cNvPr id="1" name=""/>
+        <p:cNvGrpSpPr/>
+        <p:nvPr/>
+      </p:nvGrpSpPr>
+      <p:grpSpPr>
+        <a:xfrm>
+          <a:off x="0" y="0"/>
+          <a:ext cx="0" cy="0"/>
+          <a:chOff x="0" y="0"/>
+          <a:chExt cx="0" cy="0"/>
+        </a:xfrm>
+      </p:grpSpPr>
+      <p:sp>
+        <p:nvSpPr>
+          <p:cNvPr id="153" name="Shape 153"/>
+          <p:cNvSpPr/>
+          <p:nvPr>
+            <p:ph type="title"/>
+          </p:nvPr>
+        </p:nvSpPr>
+        <p:spPr>
+          <a:xfrm>
+            <a:off x="863600" y="254000"/>
+            <a:ext cx="11099800" cy="2159000"/>
+          </a:xfrm>
+          <a:prstGeom prst="rect">
+            <a:avLst/>
+          </a:prstGeom>
+        </p:spPr>
+        <p:txBody>
+          <a:bodyPr/>
+          <a:lstStyle/>
+          <a:p>
+            <a:pPr/>
+            <a:r>
+              <a:t>接口</a:t>
+            </a:r>
+          </a:p>
+        </p:txBody>
+      </p:sp>
+      <p:sp>
+        <p:nvSpPr>
+          <p:cNvPr id="154" name="Shape 154"/>
+          <p:cNvSpPr/>
+          <p:nvPr>
+            <p:ph type="body" idx="1"/>
+          </p:nvPr>
+        </p:nvSpPr>
+        <p:spPr>
+          <a:xfrm>
+            <a:off x="774700" y="2495550"/>
+            <a:ext cx="11099800" cy="6286500"/>
+          </a:xfrm>
+          <a:prstGeom prst="rect">
+            <a:avLst/>
+          </a:prstGeom>
+        </p:spPr>
+        <p:txBody>
+          <a:bodyPr/>
+          <a:lstStyle/>
+          <a:p>
+            <a:pPr marL="257809" indent="-257809" defTabSz="338835">
               <a:spcBef>
-                <a:spcPts val="1800"/>
+                <a:spcPts val="2400"/>
               </a:spcBef>
-              <a:defRPr sz="1634"/>
+              <a:defRPr sz="2204"/>
             </a:pPr>
             <a:r>
-              <a:t>捕获异常，相比于php，Java很“敏感”。IDE会各种提示捕获异常，除了try catch模块，还有finally就是无论对错都执行的模块。</a:t>
+              <a:t>接口所有方法属于public，所以可以不写public关键词</a:t>
+            </a:r>
+          </a:p>
+          <a:p>
+            <a:pPr marL="257809" indent="-257809" defTabSz="338835">
+              <a:spcBef>
+                <a:spcPts val="2400"/>
+              </a:spcBef>
+              <a:defRPr sz="2204"/>
+            </a:pPr>
+            <a:r>
+              <a:t>接口不能含有实例域和实现方法</a:t>
+            </a:r>
+          </a:p>
+          <a:p>
+            <a:pPr marL="257809" indent="-257809" defTabSz="338835">
+              <a:spcBef>
+                <a:spcPts val="2400"/>
+              </a:spcBef>
+              <a:defRPr sz="2204"/>
+            </a:pPr>
+            <a:r>
+              <a:t>对象拷贝与克隆，拷贝，则引用的是同一对象，改变任一对象引用的变量，则同一引用的对象也会有影响。所以可以通过clone()方法进行克隆实现，clone()是始祖类Object方法,但是是protected方法。</a:t>
+            </a:r>
+          </a:p>
+          <a:p>
+            <a:pPr marL="257809" indent="-257809" defTabSz="338835">
+              <a:spcBef>
+                <a:spcPts val="2400"/>
+              </a:spcBef>
+              <a:defRPr sz="2204"/>
+            </a:pPr>
+            <a:r>
+              <a:t>clone()是浅拷贝，这意味着如果拷贝对象中包含子对象的引用，则又会引用同一对象(如果对象不可变，不会有问题)。所以为了保证可以深拷贝，所以重写clone()方法，且声明为public</a:t>
+            </a:r>
+          </a:p>
+          <a:p>
+            <a:pPr marL="257809" indent="-257809" defTabSz="338835">
+              <a:spcBef>
+                <a:spcPts val="2400"/>
+              </a:spcBef>
+              <a:defRPr sz="2204"/>
+            </a:pPr>
+            <a:r>
+              <a:t>重写clone时，需要对子类进行拷贝</a:t>
+            </a:r>
+          </a:p>
+          <a:p>
+            <a:pPr marL="257809" indent="-257809" defTabSz="338835">
+              <a:spcBef>
+                <a:spcPts val="2400"/>
+              </a:spcBef>
+              <a:defRPr sz="2204"/>
+            </a:pPr>
+            <a:r>
+              <a:t>回调，被调用方在被调用时也会调用对方(与异步不同</a:t>
+            </a:r>
+          </a:p>
+          <a:p>
+            <a:pPr marL="257809" indent="-257809" defTabSz="338835">
+              <a:spcBef>
+                <a:spcPts val="2400"/>
+              </a:spcBef>
+              <a:defRPr sz="2204"/>
+            </a:pPr>
+            <a:r>
+              <a:t>内部类</a:t>
+            </a:r>
+          </a:p>
+        </p:txBody>
+      </p:sp>
+    </p:spTree>
+  </p:cSld>
+  <p:clrMapOvr>
+    <a:masterClrMapping/>
+  </p:clrMapOvr>
+  <p:transition xmlns:p14="http://schemas.microsoft.com/office/powerpoint/2010/main" spd="med" advClick="1" p14:dur="1000"/>
+</p:sld>
+</file>
+
+<file path=ppt/slides/slide14.xml><?xml version="1.0" encoding="utf-8"?>
+<p:sld xmlns:a="http://schemas.openxmlformats.org/drawingml/2006/main" xmlns:r="http://schemas.openxmlformats.org/officeDocument/2006/relationships" xmlns:p="http://schemas.openxmlformats.org/presentationml/2006/main" showMasterSp="1" showMasterPhAnim="1">
+  <p:cSld>
+    <p:spTree>
+      <p:nvGrpSpPr>
+        <p:cNvPr id="1" name=""/>
+        <p:cNvGrpSpPr/>
+        <p:nvPr/>
+      </p:nvGrpSpPr>
+      <p:grpSpPr>
+        <a:xfrm>
+          <a:off x="0" y="0"/>
+          <a:ext cx="0" cy="0"/>
+          <a:chOff x="0" y="0"/>
+          <a:chExt cx="0" cy="0"/>
+        </a:xfrm>
+      </p:grpSpPr>
+      <p:sp>
+        <p:nvSpPr>
+          <p:cNvPr id="156" name="Shape 156"/>
+          <p:cNvSpPr/>
+          <p:nvPr>
+            <p:ph type="title"/>
+          </p:nvPr>
+        </p:nvSpPr>
+        <p:spPr>
+          <a:prstGeom prst="rect">
+            <a:avLst/>
+          </a:prstGeom>
+        </p:spPr>
+        <p:txBody>
+          <a:bodyPr/>
+          <a:lstStyle/>
+          <a:p>
+            <a:pPr/>
+            <a:r>
+              <a:t>内部类</a:t>
+            </a:r>
+          </a:p>
+        </p:txBody>
+      </p:sp>
+      <p:sp>
+        <p:nvSpPr>
+          <p:cNvPr id="157" name="Shape 157"/>
+          <p:cNvSpPr/>
+          <p:nvPr>
+            <p:ph type="body" idx="1"/>
+          </p:nvPr>
+        </p:nvSpPr>
+        <p:spPr>
+          <a:xfrm>
+            <a:off x="952500" y="2597150"/>
+            <a:ext cx="11099800" cy="6286500"/>
+          </a:xfrm>
+          <a:prstGeom prst="rect">
+            <a:avLst/>
+          </a:prstGeom>
+        </p:spPr>
+        <p:txBody>
+          <a:bodyPr/>
+          <a:lstStyle/>
+          <a:p>
+            <a:pPr lvl="1"/>
+            <a:r>
+              <a:t>内部类使用是为了访问该类定义所在作用域的数据，包括私有数据。内部类可以对同一个包中其他类隐藏。内部类可以简洁回调函数</a:t>
+            </a:r>
+          </a:p>
+          <a:p>
+            <a:pPr lvl="1"/>
+            <a:r>
+              <a:t>内部类可以访问创建ta的类的对象</a:t>
+            </a:r>
+          </a:p>
+          <a:p>
+            <a:pPr lvl="1"/>
+            <a:r>
+              <a:t>局部内部类进行封装</a:t>
+            </a:r>
+          </a:p>
+        </p:txBody>
+      </p:sp>
+    </p:spTree>
+  </p:cSld>
+  <p:clrMapOvr>
+    <a:masterClrMapping/>
+  </p:clrMapOvr>
+  <p:transition xmlns:p14="http://schemas.microsoft.com/office/powerpoint/2010/main" spd="med" advClick="1" p14:dur="1000"/>
+</p:sld>
+</file>
+
+<file path=ppt/slides/slide15.xml><?xml version="1.0" encoding="utf-8"?>
+<p:sld xmlns:a="http://schemas.openxmlformats.org/drawingml/2006/main" xmlns:r="http://schemas.openxmlformats.org/officeDocument/2006/relationships" xmlns:p="http://schemas.openxmlformats.org/presentationml/2006/main" showMasterSp="1" showMasterPhAnim="1">
+  <p:cSld>
+    <p:spTree>
+      <p:nvGrpSpPr>
+        <p:cNvPr id="1" name=""/>
+        <p:cNvGrpSpPr/>
+        <p:nvPr/>
+      </p:nvGrpSpPr>
+      <p:grpSpPr>
+        <a:xfrm>
+          <a:off x="0" y="0"/>
+          <a:ext cx="0" cy="0"/>
+          <a:chOff x="0" y="0"/>
+          <a:chExt cx="0" cy="0"/>
+        </a:xfrm>
+      </p:grpSpPr>
+      <p:sp>
+        <p:nvSpPr>
+          <p:cNvPr id="159" name="Shape 159"/>
+          <p:cNvSpPr/>
+          <p:nvPr>
+            <p:ph type="title"/>
+          </p:nvPr>
+        </p:nvSpPr>
+        <p:spPr>
+          <a:prstGeom prst="rect">
+            <a:avLst/>
+          </a:prstGeom>
+        </p:spPr>
+        <p:txBody>
+          <a:bodyPr/>
+          <a:lstStyle/>
+          <a:p>
+            <a:pPr/>
+            <a:r>
+              <a:t>集合</a:t>
+            </a:r>
+          </a:p>
+        </p:txBody>
+      </p:sp>
+      <p:sp>
+        <p:nvSpPr>
+          <p:cNvPr id="160" name="Shape 160"/>
+          <p:cNvSpPr/>
+          <p:nvPr>
+            <p:ph type="body" idx="1"/>
+          </p:nvPr>
+        </p:nvSpPr>
+        <p:spPr>
+          <a:xfrm>
+            <a:off x="952500" y="2597150"/>
+            <a:ext cx="11099800" cy="6286500"/>
+          </a:xfrm>
+          <a:prstGeom prst="rect">
+            <a:avLst/>
+          </a:prstGeom>
+        </p:spPr>
+        <p:txBody>
+          <a:bodyPr/>
+          <a:lstStyle/>
+          <a:p>
+            <a:pPr/>
+            <a:r>
+              <a:t>Collection</a:t>
+            </a:r>
+          </a:p>
+          <a:p>
+            <a:pPr/>
+            <a:r>
+              <a:t>HashSet </a:t>
+            </a:r>
+          </a:p>
+          <a:p>
+            <a:pPr/>
+            <a:r>
+              <a:t>HashMap</a:t>
+            </a:r>
+          </a:p>
+          <a:p>
+            <a:pPr/>
+            <a:r>
+              <a:t>ArrayList</a:t>
+            </a:r>
+          </a:p>
+        </p:txBody>
+      </p:sp>
+    </p:spTree>
+  </p:cSld>
+  <p:clrMapOvr>
+    <a:masterClrMapping/>
+  </p:clrMapOvr>
+  <p:transition xmlns:p14="http://schemas.microsoft.com/office/powerpoint/2010/main" spd="med" advClick="1" p14:dur="1000"/>
+</p:sld>
+</file>
+
+<file path=ppt/slides/slide16.xml><?xml version="1.0" encoding="utf-8"?>
+<p:sld xmlns:a="http://schemas.openxmlformats.org/drawingml/2006/main" xmlns:r="http://schemas.openxmlformats.org/officeDocument/2006/relationships" xmlns:p="http://schemas.openxmlformats.org/presentationml/2006/main" showMasterSp="1" showMasterPhAnim="1">
+  <p:cSld>
+    <p:spTree>
+      <p:nvGrpSpPr>
+        <p:cNvPr id="1" name=""/>
+        <p:cNvGrpSpPr/>
+        <p:nvPr/>
+      </p:nvGrpSpPr>
+      <p:grpSpPr>
+        <a:xfrm>
+          <a:off x="0" y="0"/>
+          <a:ext cx="0" cy="0"/>
+          <a:chOff x="0" y="0"/>
+          <a:chExt cx="0" cy="0"/>
+        </a:xfrm>
+      </p:grpSpPr>
+      <p:sp>
+        <p:nvSpPr>
+          <p:cNvPr id="162" name="Shape 162"/>
+          <p:cNvSpPr/>
+          <p:nvPr>
+            <p:ph type="title"/>
+          </p:nvPr>
+        </p:nvSpPr>
+        <p:spPr>
+          <a:prstGeom prst="rect">
+            <a:avLst/>
+          </a:prstGeom>
+        </p:spPr>
+        <p:txBody>
+          <a:bodyPr/>
+          <a:lstStyle/>
+          <a:p>
+            <a:pPr/>
+            <a:r>
+              <a:t>I/O</a:t>
+            </a:r>
+          </a:p>
+        </p:txBody>
+      </p:sp>
+      <p:sp>
+        <p:nvSpPr>
+          <p:cNvPr id="163" name="Shape 163"/>
+          <p:cNvSpPr/>
+          <p:nvPr>
+            <p:ph type="body" idx="1"/>
+          </p:nvPr>
+        </p:nvSpPr>
+        <p:spPr>
+          <a:prstGeom prst="rect">
+            <a:avLst/>
+          </a:prstGeom>
+        </p:spPr>
+        <p:txBody>
+          <a:bodyPr/>
+          <a:lstStyle/>
+          <a:p>
+            <a:pPr/>
+            <a:r>
+              <a:t>I/O模型(阻塞。非阻塞……</a:t>
+            </a:r>
+          </a:p>
+          <a:p>
+            <a:pPr/>
+            <a:r>
+              <a:t>I/O流 FileInputStream、ByteArrayInputStream……</a:t>
+            </a:r>
+          </a:p>
+        </p:txBody>
+      </p:sp>
+    </p:spTree>
+  </p:cSld>
+  <p:clrMapOvr>
+    <a:masterClrMapping/>
+  </p:clrMapOvr>
+  <p:transition xmlns:p14="http://schemas.microsoft.com/office/powerpoint/2010/main" spd="med" advClick="1" p14:dur="1000"/>
+</p:sld>
+</file>
+
+<file path=ppt/slides/slide17.xml><?xml version="1.0" encoding="utf-8"?>
+<p:sld xmlns:a="http://schemas.openxmlformats.org/drawingml/2006/main" xmlns:r="http://schemas.openxmlformats.org/officeDocument/2006/relationships" xmlns:p="http://schemas.openxmlformats.org/presentationml/2006/main" showMasterSp="1" showMasterPhAnim="1">
+  <p:cSld>
+    <p:spTree>
+      <p:nvGrpSpPr>
+        <p:cNvPr id="1" name=""/>
+        <p:cNvGrpSpPr/>
+        <p:nvPr/>
+      </p:nvGrpSpPr>
+      <p:grpSpPr>
+        <a:xfrm>
+          <a:off x="0" y="0"/>
+          <a:ext cx="0" cy="0"/>
+          <a:chOff x="0" y="0"/>
+          <a:chExt cx="0" cy="0"/>
+        </a:xfrm>
+      </p:grpSpPr>
+      <p:sp>
+        <p:nvSpPr>
+          <p:cNvPr id="165" name="Shape 165"/>
+          <p:cNvSpPr/>
+          <p:nvPr>
+            <p:ph type="body" idx="1"/>
+          </p:nvPr>
+        </p:nvSpPr>
+        <p:spPr>
+          <a:xfrm>
+            <a:off x="952500" y="1092200"/>
+            <a:ext cx="11099800" cy="7213600"/>
+          </a:xfrm>
+          <a:prstGeom prst="rect">
+            <a:avLst/>
+          </a:prstGeom>
+        </p:spPr>
+        <p:txBody>
+          <a:bodyPr/>
+          <a:lstStyle/>
+          <a:p>
+            <a:pPr marL="400050" indent="-400050" defTabSz="525779">
+              <a:spcBef>
+                <a:spcPts val="3700"/>
+              </a:spcBef>
+              <a:defRPr sz="3420"/>
+            </a:pPr>
+            <a:r>
+              <a:t>守护线程</a:t>
+            </a:r>
+          </a:p>
+          <a:p>
+            <a:pPr marL="400050" indent="-400050" defTabSz="525779">
+              <a:spcBef>
+                <a:spcPts val="3700"/>
+              </a:spcBef>
+              <a:defRPr sz="3420"/>
+            </a:pPr>
+            <a:r>
+              <a:t>非守护线程(用户线程)</a:t>
+            </a:r>
+          </a:p>
+          <a:p>
+            <a:pPr marL="400050" indent="-400050" defTabSz="525779">
+              <a:spcBef>
+                <a:spcPts val="3700"/>
+              </a:spcBef>
+              <a:defRPr sz="3420"/>
+            </a:pPr>
+            <a:r>
+              <a:t>run start </a:t>
+            </a:r>
+          </a:p>
+          <a:p>
+            <a:pPr marL="400050" indent="-400050" defTabSz="525779">
+              <a:spcBef>
+                <a:spcPts val="3700"/>
+              </a:spcBef>
+              <a:defRPr sz="3420"/>
+            </a:pPr>
+            <a:r>
+              <a:t>线程状态</a:t>
+            </a:r>
+          </a:p>
+          <a:p>
+            <a:pPr marL="400050" indent="-400050" defTabSz="525779">
+              <a:spcBef>
+                <a:spcPts val="3700"/>
+              </a:spcBef>
+              <a:defRPr sz="3420"/>
+            </a:pPr>
+            <a:r>
+              <a:t>Thread 类</a:t>
+            </a:r>
+          </a:p>
+          <a:p>
+            <a:pPr marL="400050" indent="-400050" defTabSz="525779">
+              <a:spcBef>
+                <a:spcPts val="3700"/>
+              </a:spcBef>
+              <a:defRPr sz="3420"/>
+            </a:pPr>
+            <a:r>
+              <a:t>Runnable 接口(多</a:t>
+            </a:r>
+          </a:p>
+          <a:p>
+            <a:pPr marL="400050" indent="-400050" defTabSz="525779">
+              <a:spcBef>
+                <a:spcPts val="3700"/>
+              </a:spcBef>
+              <a:defRPr sz="3420"/>
+            </a:pPr>
+            <a:r>
+              <a:t>锁(线程安全:线程同步</a:t>
+            </a:r>
+          </a:p>
+        </p:txBody>
+      </p:sp>
+    </p:spTree>
+  </p:cSld>
+  <p:clrMapOvr>
+    <a:masterClrMapping/>
+  </p:clrMapOvr>
+  <p:transition xmlns:p14="http://schemas.microsoft.com/office/powerpoint/2010/main" spd="med" advClick="1" p14:dur="1000"/>
+</p:sld>
+</file>
+
+<file path=ppt/slides/slide18.xml><?xml version="1.0" encoding="utf-8"?>
+<p:sld xmlns:a="http://schemas.openxmlformats.org/drawingml/2006/main" xmlns:r="http://schemas.openxmlformats.org/officeDocument/2006/relationships" xmlns:p="http://schemas.openxmlformats.org/presentationml/2006/main" showMasterSp="1" showMasterPhAnim="1">
+  <p:cSld>
+    <p:spTree>
+      <p:nvGrpSpPr>
+        <p:cNvPr id="1" name=""/>
+        <p:cNvGrpSpPr/>
+        <p:nvPr/>
+      </p:nvGrpSpPr>
+      <p:grpSpPr>
+        <a:xfrm>
+          <a:off x="0" y="0"/>
+          <a:ext cx="0" cy="0"/>
+          <a:chOff x="0" y="0"/>
+          <a:chExt cx="0" cy="0"/>
+        </a:xfrm>
+      </p:grpSpPr>
+      <p:sp>
+        <p:nvSpPr>
+          <p:cNvPr id="167" name="Shape 167"/>
+          <p:cNvSpPr/>
+          <p:nvPr>
+            <p:ph type="title"/>
+          </p:nvPr>
+        </p:nvSpPr>
+        <p:spPr>
+          <a:prstGeom prst="rect">
+            <a:avLst/>
+          </a:prstGeom>
+        </p:spPr>
+        <p:txBody>
+          <a:bodyPr/>
+          <a:lstStyle/>
+          <a:p>
+            <a:pPr/>
+            <a:r>
+              <a:t>GC（垃圾回收</a:t>
+            </a:r>
+          </a:p>
+        </p:txBody>
+      </p:sp>
+      <p:sp>
+        <p:nvSpPr>
+          <p:cNvPr id="168" name="Shape 168"/>
+          <p:cNvSpPr/>
+          <p:nvPr>
+            <p:ph type="body" idx="1"/>
+          </p:nvPr>
+        </p:nvSpPr>
+        <p:spPr>
+          <a:prstGeom prst="rect">
+            <a:avLst/>
+          </a:prstGeom>
+        </p:spPr>
+        <p:txBody>
+          <a:bodyPr/>
+          <a:lstStyle/>
+          <a:p>
+            <a:pPr/>
+            <a:r>
+              <a:t>堆内存结构</a:t>
+            </a:r>
+          </a:p>
+          <a:p>
+            <a:pPr/>
+            <a:r>
+              <a:t>机制(可达性算法</a:t>
+            </a:r>
+          </a:p>
+          <a:p>
+            <a:pPr/>
+            <a:r>
+              <a:t>怎么搞的</a:t>
+            </a:r>
+          </a:p>
+          <a:p>
+            <a:pPr/>
+            <a:r>
+              <a:t>产生堆栈溢出(堆-&gt;GC ，栈虚拟机深度</a:t>
+            </a:r>
+          </a:p>
+        </p:txBody>
+      </p:sp>
+    </p:spTree>
+  </p:cSld>
+  <p:clrMapOvr>
+    <a:masterClrMapping/>
+  </p:clrMapOvr>
+  <p:transition xmlns:p14="http://schemas.microsoft.com/office/powerpoint/2010/main" spd="med" advClick="1" p14:dur="1000"/>
+</p:sld>
+</file>
+
+<file path=ppt/slides/slide19.xml><?xml version="1.0" encoding="utf-8"?>
+<p:sld xmlns:a="http://schemas.openxmlformats.org/drawingml/2006/main" xmlns:r="http://schemas.openxmlformats.org/officeDocument/2006/relationships" xmlns:p="http://schemas.openxmlformats.org/presentationml/2006/main" showMasterSp="1" showMasterPhAnim="1">
+  <p:cSld>
+    <p:spTree>
+      <p:nvGrpSpPr>
+        <p:cNvPr id="1" name=""/>
+        <p:cNvGrpSpPr/>
+        <p:nvPr/>
+      </p:nvGrpSpPr>
+      <p:grpSpPr>
+        <a:xfrm>
+          <a:off x="0" y="0"/>
+          <a:ext cx="0" cy="0"/>
+          <a:chOff x="0" y="0"/>
+          <a:chExt cx="0" cy="0"/>
+        </a:xfrm>
+      </p:grpSpPr>
+      <p:sp>
+        <p:nvSpPr>
+          <p:cNvPr id="170" name="Shape 170"/>
+          <p:cNvSpPr/>
+          <p:nvPr>
+            <p:ph type="body" idx="1"/>
+          </p:nvPr>
+        </p:nvSpPr>
+        <p:spPr>
+          <a:prstGeom prst="rect">
+            <a:avLst/>
+          </a:prstGeom>
+        </p:spPr>
+        <p:txBody>
+          <a:bodyPr/>
+          <a:lstStyle/>
+          <a:p>
+            <a:pPr/>
+            <a:r>
+              <a:t>swing</a:t>
+            </a:r>
+          </a:p>
+          <a:p>
+            <a:pPr/>
+            <a:r>
+              <a:t>awt</a:t>
+            </a:r>
+          </a:p>
+          <a:p>
+            <a:pPr/>
+            <a:r>
+              <a:t>什么鬼的都不讲</a:t>
             </a:r>
           </a:p>
         </p:txBody>
@@ -3304,13 +4295,85 @@
           <a:p>
             <a:pPr/>
             <a:r>
-              <a:t>JDK：JAVA DEVELOPMENT KIT 缩写</a:t>
-            </a:r>
-          </a:p>
-          <a:p>
-            <a:pPr/>
-            <a:r>
               <a:t>JVM:java虚拟机</a:t>
+            </a:r>
+          </a:p>
+          <a:p>
+            <a:pPr/>
+            <a:r>
+              <a:t>JRE（运行环境，jvm和lib组成）</a:t>
+            </a:r>
+          </a:p>
+          <a:p>
+            <a:pPr/>
+            <a:r>
+              <a:t>JDK：包括JRE及部分开发工具</a:t>
+            </a:r>
+          </a:p>
+        </p:txBody>
+      </p:sp>
+    </p:spTree>
+  </p:cSld>
+  <p:clrMapOvr>
+    <a:masterClrMapping/>
+  </p:clrMapOvr>
+  <p:transition xmlns:p14="http://schemas.microsoft.com/office/powerpoint/2010/main" spd="med" advClick="1" p14:dur="1000"/>
+</p:sld>
+</file>
+
+<file path=ppt/slides/slide20.xml><?xml version="1.0" encoding="utf-8"?>
+<p:sld xmlns:a="http://schemas.openxmlformats.org/drawingml/2006/main" xmlns:r="http://schemas.openxmlformats.org/officeDocument/2006/relationships" xmlns:p="http://schemas.openxmlformats.org/presentationml/2006/main" showMasterSp="1" showMasterPhAnim="1">
+  <p:cSld>
+    <p:spTree>
+      <p:nvGrpSpPr>
+        <p:cNvPr id="1" name=""/>
+        <p:cNvGrpSpPr/>
+        <p:nvPr/>
+      </p:nvGrpSpPr>
+      <p:grpSpPr>
+        <a:xfrm>
+          <a:off x="0" y="0"/>
+          <a:ext cx="0" cy="0"/>
+          <a:chOff x="0" y="0"/>
+          <a:chExt cx="0" cy="0"/>
+        </a:xfrm>
+      </p:grpSpPr>
+      <p:sp>
+        <p:nvSpPr>
+          <p:cNvPr id="172" name="Shape 172"/>
+          <p:cNvSpPr/>
+          <p:nvPr>
+            <p:ph type="body" idx="1"/>
+          </p:nvPr>
+        </p:nvSpPr>
+        <p:spPr>
+          <a:xfrm>
+            <a:off x="762000" y="1130300"/>
+            <a:ext cx="11099800" cy="7213600"/>
+          </a:xfrm>
+          <a:prstGeom prst="rect">
+            <a:avLst/>
+          </a:prstGeom>
+        </p:spPr>
+        <p:txBody>
+          <a:bodyPr/>
+          <a:lstStyle/>
+          <a:p>
+            <a:pPr/>
+            <a:r>
+              <a:t>maven</a:t>
+            </a:r>
+          </a:p>
+          <a:p>
+            <a:pPr/>
+            <a:r>
+              <a:t>java 开发文档http://www.oracle.com/technetwork/cn/java/javase/documentation/api-jsp-136079-zhs.html</a:t>
+            </a:r>
+          </a:p>
+          <a:p>
+            <a:pPr/>
+            <a:r>
+              <a:t>jdbc(jdbc-pool</a:t>
             </a:r>
           </a:p>
         </p:txBody>
@@ -3346,6 +4409,30 @@
           <p:cNvPr id="124" name="Shape 124"/>
           <p:cNvSpPr/>
           <p:nvPr>
+            <p:ph type="title"/>
+          </p:nvPr>
+        </p:nvSpPr>
+        <p:spPr>
+          <a:prstGeom prst="rect">
+            <a:avLst/>
+          </a:prstGeom>
+        </p:spPr>
+        <p:txBody>
+          <a:bodyPr/>
+          <a:lstStyle/>
+          <a:p>
+            <a:pPr/>
+            <a:r>
+              <a:t>JVM</a:t>
+            </a:r>
+          </a:p>
+        </p:txBody>
+      </p:sp>
+      <p:sp>
+        <p:nvSpPr>
+          <p:cNvPr id="125" name="Shape 125"/>
+          <p:cNvSpPr/>
+          <p:nvPr>
             <p:ph type="body" idx="1"/>
           </p:nvPr>
         </p:nvSpPr>
@@ -3360,64 +4447,29 @@
           <a:p>
             <a:pPr/>
             <a:r>
-              <a:t>基本类型只有8种，包括整形、浮点类型char、boolean</a:t>
-            </a:r>
-          </a:p>
-          <a:p>
-            <a:pPr/>
-            <a:r>
-              <a:t>int short long(424242L) byte</a:t>
-            </a:r>
-          </a:p>
-          <a:p>
-            <a:pPr/>
-            <a:r>
-              <a:t>float(3.14F) double(默认double</a:t>
-            </a:r>
-          </a:p>
-          <a:p>
-            <a:pPr/>
-            <a:r>
-              <a:t>char</a:t>
-            </a:r>
-          </a:p>
-          <a:p>
-            <a:pPr/>
-            <a:r>
-              <a:t>boolean(两个值false与true</a:t>
+              <a:t>JVM(系统线程)虚拟机线程、周期任务线程、GC线程</a:t>
+            </a:r>
+          </a:p>
+          <a:p>
+            <a:pPr/>
+            <a:r>
+              <a:t>线程包括计数器、栈、本地栈、栈帧</a:t>
+            </a:r>
+          </a:p>
+          <a:p>
+            <a:pPr/>
+            <a:r>
+              <a:t>局部变量表</a:t>
+            </a:r>
+          </a:p>
+          <a:p>
+            <a:pPr/>
+            <a:r>
+              <a:t>方法区</a:t>
             </a:r>
           </a:p>
         </p:txBody>
       </p:sp>
-      <p:pic>
-        <p:nvPicPr>
-          <p:cNvPr id="125" name="pasted-image.png"/>
-          <p:cNvPicPr>
-            <a:picLocks noChangeAspect="1"/>
-          </p:cNvPicPr>
-          <p:nvPr/>
-        </p:nvPicPr>
-        <p:blipFill>
-          <a:blip r:embed="rId3">
-            <a:extLst/>
-          </a:blip>
-          <a:stretch>
-            <a:fillRect/>
-          </a:stretch>
-        </p:blipFill>
-        <p:spPr>
-          <a:xfrm>
-            <a:off x="7372350" y="5537200"/>
-            <a:ext cx="5524500" cy="3886200"/>
-          </a:xfrm>
-          <a:prstGeom prst="rect">
-            <a:avLst/>
-          </a:prstGeom>
-          <a:ln w="12700">
-            <a:miter lim="400000"/>
-          </a:ln>
-        </p:spPr>
-      </p:pic>
     </p:spTree>
   </p:cSld>
   <p:clrMapOvr>
@@ -3447,6 +4499,291 @@
       <p:sp>
         <p:nvSpPr>
           <p:cNvPr id="127" name="Shape 127"/>
+          <p:cNvSpPr/>
+          <p:nvPr>
+            <p:ph type="body" idx="1"/>
+          </p:nvPr>
+        </p:nvSpPr>
+        <p:spPr>
+          <a:prstGeom prst="rect">
+            <a:avLst/>
+          </a:prstGeom>
+        </p:spPr>
+        <p:txBody>
+          <a:bodyPr/>
+          <a:lstStyle/>
+          <a:p>
+            <a:pPr/>
+          </a:p>
+          <a:p>
+            <a:pPr/>
+            <a:r>
+              <a:t>javaee 企业版包含se(扩展servlet jdbc) javaweb用</a:t>
+            </a:r>
+          </a:p>
+          <a:p>
+            <a:pPr/>
+            <a:r>
+              <a:t>javase java标准版</a:t>
+            </a:r>
+          </a:p>
+        </p:txBody>
+      </p:sp>
+    </p:spTree>
+  </p:cSld>
+  <p:clrMapOvr>
+    <a:masterClrMapping/>
+  </p:clrMapOvr>
+  <p:transition xmlns:p14="http://schemas.microsoft.com/office/powerpoint/2010/main" spd="med" advClick="1" p14:dur="1000"/>
+</p:sld>
+</file>
+
+<file path=ppt/slides/slide5.xml><?xml version="1.0" encoding="utf-8"?>
+<p:sld xmlns:a="http://schemas.openxmlformats.org/drawingml/2006/main" xmlns:r="http://schemas.openxmlformats.org/officeDocument/2006/relationships" xmlns:p="http://schemas.openxmlformats.org/presentationml/2006/main" showMasterSp="1" showMasterPhAnim="1">
+  <p:cSld>
+    <p:spTree>
+      <p:nvGrpSpPr>
+        <p:cNvPr id="1" name=""/>
+        <p:cNvGrpSpPr/>
+        <p:nvPr/>
+      </p:nvGrpSpPr>
+      <p:grpSpPr>
+        <a:xfrm>
+          <a:off x="0" y="0"/>
+          <a:ext cx="0" cy="0"/>
+          <a:chOff x="0" y="0"/>
+          <a:chExt cx="0" cy="0"/>
+        </a:xfrm>
+      </p:grpSpPr>
+      <p:sp>
+        <p:nvSpPr>
+          <p:cNvPr id="129" name="Shape 129"/>
+          <p:cNvSpPr/>
+          <p:nvPr>
+            <p:ph type="title"/>
+          </p:nvPr>
+        </p:nvSpPr>
+        <p:spPr>
+          <a:prstGeom prst="rect">
+            <a:avLst/>
+          </a:prstGeom>
+        </p:spPr>
+        <p:txBody>
+          <a:bodyPr/>
+          <a:lstStyle/>
+          <a:p>
+            <a:pPr/>
+            <a:r>
+              <a:t>杂项</a:t>
+            </a:r>
+          </a:p>
+        </p:txBody>
+      </p:sp>
+      <p:sp>
+        <p:nvSpPr>
+          <p:cNvPr id="130" name="Shape 130"/>
+          <p:cNvSpPr/>
+          <p:nvPr>
+            <p:ph type="body" idx="1"/>
+          </p:nvPr>
+        </p:nvSpPr>
+        <p:spPr>
+          <a:prstGeom prst="rect">
+            <a:avLst/>
+          </a:prstGeom>
+        </p:spPr>
+        <p:txBody>
+          <a:bodyPr/>
+          <a:lstStyle/>
+          <a:p>
+            <a:pPr marL="400050" indent="-400050" defTabSz="525779">
+              <a:spcBef>
+                <a:spcPts val="3700"/>
+              </a:spcBef>
+              <a:defRPr sz="3420"/>
+            </a:pPr>
+            <a:r>
+              <a:t>ctrl(command)+/ 进行补充比如(System.out.println是syso)</a:t>
+            </a:r>
+          </a:p>
+          <a:p>
+            <a:pPr marL="400050" indent="-400050" defTabSz="525779">
+              <a:spcBef>
+                <a:spcPts val="3700"/>
+              </a:spcBef>
+              <a:defRPr sz="3420"/>
+            </a:pPr>
+            <a:r>
+              <a:t>Java入口是main一个类下只能有一个main函数</a:t>
+            </a:r>
+          </a:p>
+          <a:p>
+            <a:pPr marL="400050" indent="-400050" defTabSz="525779">
+              <a:spcBef>
+                <a:spcPts val="3700"/>
+              </a:spcBef>
+              <a:defRPr sz="3420"/>
+            </a:pPr>
+            <a:r>
+              <a:t>一个文件下可以有多个类，但只可以有一个public类</a:t>
+            </a:r>
+          </a:p>
+          <a:p>
+            <a:pPr marL="400050" indent="-400050" defTabSz="525779">
+              <a:spcBef>
+                <a:spcPts val="3700"/>
+              </a:spcBef>
+              <a:defRPr sz="3420"/>
+            </a:pPr>
+            <a:r>
+              <a:t>Java注释规范查一下(有javadoc直接生产文档的</a:t>
+            </a:r>
+          </a:p>
+          <a:p>
+            <a:pPr marL="400050" indent="-400050" defTabSz="525779">
+              <a:spcBef>
+                <a:spcPts val="3700"/>
+              </a:spcBef>
+              <a:defRPr sz="3420"/>
+            </a:pPr>
+            <a:r>
+              <a:t>eclipse一些简单实用:右键source里面可以生成比如toString，set()，get()方法</a:t>
+            </a:r>
+          </a:p>
+        </p:txBody>
+      </p:sp>
+    </p:spTree>
+  </p:cSld>
+  <p:clrMapOvr>
+    <a:masterClrMapping/>
+  </p:clrMapOvr>
+  <p:transition xmlns:p14="http://schemas.microsoft.com/office/powerpoint/2010/main" spd="med" advClick="1" p14:dur="1000"/>
+</p:sld>
+</file>
+
+<file path=ppt/slides/slide6.xml><?xml version="1.0" encoding="utf-8"?>
+<p:sld xmlns:a="http://schemas.openxmlformats.org/drawingml/2006/main" xmlns:r="http://schemas.openxmlformats.org/officeDocument/2006/relationships" xmlns:p="http://schemas.openxmlformats.org/presentationml/2006/main" showMasterSp="1" showMasterPhAnim="1">
+  <p:cSld>
+    <p:spTree>
+      <p:nvGrpSpPr>
+        <p:cNvPr id="1" name=""/>
+        <p:cNvGrpSpPr/>
+        <p:nvPr/>
+      </p:nvGrpSpPr>
+      <p:grpSpPr>
+        <a:xfrm>
+          <a:off x="0" y="0"/>
+          <a:ext cx="0" cy="0"/>
+          <a:chOff x="0" y="0"/>
+          <a:chExt cx="0" cy="0"/>
+        </a:xfrm>
+      </p:grpSpPr>
+      <p:sp>
+        <p:nvSpPr>
+          <p:cNvPr id="132" name="Shape 132"/>
+          <p:cNvSpPr/>
+          <p:nvPr>
+            <p:ph type="body" idx="1"/>
+          </p:nvPr>
+        </p:nvSpPr>
+        <p:spPr>
+          <a:prstGeom prst="rect">
+            <a:avLst/>
+          </a:prstGeom>
+        </p:spPr>
+        <p:txBody>
+          <a:bodyPr/>
+          <a:lstStyle/>
+          <a:p>
+            <a:pPr/>
+            <a:r>
+              <a:t>基本类型只有8种，包括整形、浮点类型char、boolean</a:t>
+            </a:r>
+          </a:p>
+          <a:p>
+            <a:pPr/>
+            <a:r>
+              <a:t>int short long(424242L) byte</a:t>
+            </a:r>
+          </a:p>
+          <a:p>
+            <a:pPr/>
+            <a:r>
+              <a:t>float(3.14F) double(默认double</a:t>
+            </a:r>
+          </a:p>
+          <a:p>
+            <a:pPr/>
+            <a:r>
+              <a:t>char</a:t>
+            </a:r>
+          </a:p>
+          <a:p>
+            <a:pPr/>
+            <a:r>
+              <a:t>boolean(两个值false与true</a:t>
+            </a:r>
+          </a:p>
+        </p:txBody>
+      </p:sp>
+      <p:pic>
+        <p:nvPicPr>
+          <p:cNvPr id="133" name="pasted-image.png"/>
+          <p:cNvPicPr>
+            <a:picLocks noChangeAspect="1"/>
+          </p:cNvPicPr>
+          <p:nvPr/>
+        </p:nvPicPr>
+        <p:blipFill>
+          <a:blip r:embed="rId3">
+            <a:extLst/>
+          </a:blip>
+          <a:stretch>
+            <a:fillRect/>
+          </a:stretch>
+        </p:blipFill>
+        <p:spPr>
+          <a:xfrm>
+            <a:off x="3816350" y="1231900"/>
+            <a:ext cx="8013700" cy="5637224"/>
+          </a:xfrm>
+          <a:prstGeom prst="rect">
+            <a:avLst/>
+          </a:prstGeom>
+          <a:ln w="12700">
+            <a:miter lim="400000"/>
+          </a:ln>
+        </p:spPr>
+      </p:pic>
+    </p:spTree>
+  </p:cSld>
+  <p:clrMapOvr>
+    <a:masterClrMapping/>
+  </p:clrMapOvr>
+  <p:transition xmlns:p14="http://schemas.microsoft.com/office/powerpoint/2010/main" spd="med" advClick="1" p14:dur="1000"/>
+</p:sld>
+</file>
+
+<file path=ppt/slides/slide7.xml><?xml version="1.0" encoding="utf-8"?>
+<p:sld xmlns:a="http://schemas.openxmlformats.org/drawingml/2006/main" xmlns:r="http://schemas.openxmlformats.org/officeDocument/2006/relationships" xmlns:p="http://schemas.openxmlformats.org/presentationml/2006/main" showMasterSp="1" showMasterPhAnim="1">
+  <p:cSld>
+    <p:spTree>
+      <p:nvGrpSpPr>
+        <p:cNvPr id="1" name=""/>
+        <p:cNvGrpSpPr/>
+        <p:nvPr/>
+      </p:nvGrpSpPr>
+      <p:grpSpPr>
+        <a:xfrm>
+          <a:off x="0" y="0"/>
+          <a:ext cx="0" cy="0"/>
+          <a:chOff x="0" y="0"/>
+          <a:chExt cx="0" cy="0"/>
+        </a:xfrm>
+      </p:grpSpPr>
+      <p:sp>
+        <p:nvSpPr>
+          <p:cNvPr id="135" name="Shape 135"/>
           <p:cNvSpPr/>
           <p:nvPr>
             <p:ph type="body" idx="1"/>
@@ -3545,7 +4882,7 @@
                                       <p:cBhvr>
                                         <p:cTn id="6" fill="hold"/>
                                         <p:tgtEl>
-                                          <p:spTgt spid="127"/>
+                                          <p:spTgt spid="135"/>
                                         </p:tgtEl>
                                         <p:attrNameLst>
                                           <p:attrName>style.visibility</p:attrName>
@@ -3559,7 +4896,7 @@
                                       <p:cBhvr>
                                         <p:cTn id="7" dur="0"/>
                                         <p:tgtEl>
-                                          <p:spTgt spid="127"/>
+                                          <p:spTgt spid="135"/>
                                         </p:tgtEl>
                                       </p:cBhvr>
                                     </p:animEffect>
@@ -3594,353 +4931,9 @@
       </p:par>
     </p:tnLst>
     <p:bldLst>
-      <p:bldP build="whole" bldLvl="1" animBg="1" rev="0" advAuto="0" spid="127" grpId="1"/>
+      <p:bldP build="whole" bldLvl="1" animBg="1" rev="0" advAuto="0" spid="135" grpId="1"/>
     </p:bldLst>
   </p:timing>
-</p:sld>
-</file>
-
-<file path=ppt/slides/slide5.xml><?xml version="1.0" encoding="utf-8"?>
-<p:sld xmlns:a="http://schemas.openxmlformats.org/drawingml/2006/main" xmlns:r="http://schemas.openxmlformats.org/officeDocument/2006/relationships" xmlns:p="http://schemas.openxmlformats.org/presentationml/2006/main" showMasterSp="1" showMasterPhAnim="1">
-  <p:cSld>
-    <p:spTree>
-      <p:nvGrpSpPr>
-        <p:cNvPr id="1" name=""/>
-        <p:cNvGrpSpPr/>
-        <p:nvPr/>
-      </p:nvGrpSpPr>
-      <p:grpSpPr>
-        <a:xfrm>
-          <a:off x="0" y="0"/>
-          <a:ext cx="0" cy="0"/>
-          <a:chOff x="0" y="0"/>
-          <a:chExt cx="0" cy="0"/>
-        </a:xfrm>
-      </p:grpSpPr>
-      <p:sp>
-        <p:nvSpPr>
-          <p:cNvPr id="129" name="Shape 129"/>
-          <p:cNvSpPr/>
-          <p:nvPr>
-            <p:ph type="title"/>
-          </p:nvPr>
-        </p:nvSpPr>
-        <p:spPr>
-          <a:prstGeom prst="rect">
-            <a:avLst/>
-          </a:prstGeom>
-        </p:spPr>
-        <p:txBody>
-          <a:bodyPr/>
-          <a:lstStyle/>
-          <a:p>
-            <a:pPr/>
-            <a:r>
-              <a:t>块作用域</a:t>
-            </a:r>
-          </a:p>
-        </p:txBody>
-      </p:sp>
-      <p:sp>
-        <p:nvSpPr>
-          <p:cNvPr id="130" name="Shape 130"/>
-          <p:cNvSpPr/>
-          <p:nvPr>
-            <p:ph type="body" idx="1"/>
-          </p:nvPr>
-        </p:nvSpPr>
-        <p:spPr>
-          <a:xfrm>
-            <a:off x="495300" y="2597150"/>
-            <a:ext cx="11099800" cy="6286500"/>
-          </a:xfrm>
-          <a:prstGeom prst="rect">
-            <a:avLst/>
-          </a:prstGeom>
-        </p:spPr>
-        <p:txBody>
-          <a:bodyPr/>
-          <a:lstStyle/>
-          <a:p>
-            <a:pPr/>
-            <a:r>
-              <a:t>不能在嵌套的块作用域内声明相同变量</a:t>
-            </a:r>
-          </a:p>
-          <a:p>
-            <a:pPr/>
-            <a:r>
-              <a:t>循环选择语句基本一样</a:t>
-            </a:r>
-          </a:p>
-          <a:p>
-            <a:pPr/>
-            <a:r>
-              <a:t>java foreach</a:t>
-            </a:r>
-          </a:p>
-        </p:txBody>
-      </p:sp>
-      <p:pic>
-        <p:nvPicPr>
-          <p:cNvPr id="131" name="pasted-image.png"/>
-          <p:cNvPicPr>
-            <a:picLocks noChangeAspect="1"/>
-          </p:cNvPicPr>
-          <p:nvPr/>
-        </p:nvPicPr>
-        <p:blipFill>
-          <a:blip r:embed="rId2">
-            <a:extLst/>
-          </a:blip>
-          <a:stretch>
-            <a:fillRect/>
-          </a:stretch>
-        </p:blipFill>
-        <p:spPr>
-          <a:xfrm>
-            <a:off x="8928100" y="2463800"/>
-            <a:ext cx="3505200" cy="2184400"/>
-          </a:xfrm>
-          <a:prstGeom prst="rect">
-            <a:avLst/>
-          </a:prstGeom>
-          <a:ln w="12700">
-            <a:miter lim="400000"/>
-          </a:ln>
-        </p:spPr>
-      </p:pic>
-      <p:pic>
-        <p:nvPicPr>
-          <p:cNvPr id="132" name="pasted-image.png"/>
-          <p:cNvPicPr>
-            <a:picLocks noChangeAspect="1"/>
-          </p:cNvPicPr>
-          <p:nvPr/>
-        </p:nvPicPr>
-        <p:blipFill>
-          <a:blip r:embed="rId3">
-            <a:extLst/>
-          </a:blip>
-          <a:stretch>
-            <a:fillRect/>
-          </a:stretch>
-        </p:blipFill>
-        <p:spPr>
-          <a:xfrm>
-            <a:off x="7385050" y="5359400"/>
-            <a:ext cx="4152900" cy="3530600"/>
-          </a:xfrm>
-          <a:prstGeom prst="rect">
-            <a:avLst/>
-          </a:prstGeom>
-          <a:ln w="12700">
-            <a:miter lim="400000"/>
-          </a:ln>
-        </p:spPr>
-      </p:pic>
-    </p:spTree>
-  </p:cSld>
-  <p:clrMapOvr>
-    <a:masterClrMapping/>
-  </p:clrMapOvr>
-  <p:transition xmlns:p14="http://schemas.microsoft.com/office/powerpoint/2010/main" spd="med" advClick="1" p14:dur="1000"/>
-</p:sld>
-</file>
-
-<file path=ppt/slides/slide6.xml><?xml version="1.0" encoding="utf-8"?>
-<p:sld xmlns:a="http://schemas.openxmlformats.org/drawingml/2006/main" xmlns:r="http://schemas.openxmlformats.org/officeDocument/2006/relationships" xmlns:p="http://schemas.openxmlformats.org/presentationml/2006/main" showMasterSp="1" showMasterPhAnim="1">
-  <p:cSld>
-    <p:spTree>
-      <p:nvGrpSpPr>
-        <p:cNvPr id="1" name=""/>
-        <p:cNvGrpSpPr/>
-        <p:nvPr/>
-      </p:nvGrpSpPr>
-      <p:grpSpPr>
-        <a:xfrm>
-          <a:off x="0" y="0"/>
-          <a:ext cx="0" cy="0"/>
-          <a:chOff x="0" y="0"/>
-          <a:chExt cx="0" cy="0"/>
-        </a:xfrm>
-      </p:grpSpPr>
-      <p:sp>
-        <p:nvSpPr>
-          <p:cNvPr id="134" name="Shape 134"/>
-          <p:cNvSpPr/>
-          <p:nvPr>
-            <p:ph type="title"/>
-          </p:nvPr>
-        </p:nvSpPr>
-        <p:spPr>
-          <a:prstGeom prst="rect">
-            <a:avLst/>
-          </a:prstGeom>
-        </p:spPr>
-        <p:txBody>
-          <a:bodyPr/>
-          <a:lstStyle/>
-          <a:p>
-            <a:pPr/>
-            <a:r>
-              <a:t>杂项</a:t>
-            </a:r>
-          </a:p>
-        </p:txBody>
-      </p:sp>
-      <p:sp>
-        <p:nvSpPr>
-          <p:cNvPr id="135" name="Shape 135"/>
-          <p:cNvSpPr/>
-          <p:nvPr>
-            <p:ph type="body" idx="1"/>
-          </p:nvPr>
-        </p:nvSpPr>
-        <p:spPr>
-          <a:prstGeom prst="rect">
-            <a:avLst/>
-          </a:prstGeom>
-        </p:spPr>
-        <p:txBody>
-          <a:bodyPr/>
-          <a:lstStyle/>
-          <a:p>
-            <a:pPr marL="368934" indent="-368934" defTabSz="484886">
-              <a:spcBef>
-                <a:spcPts val="3400"/>
-              </a:spcBef>
-              <a:defRPr sz="3154"/>
-            </a:pPr>
-            <a:r>
-              <a:t>ctrl(command)+/ 进行补充比如(System.out.println是syso)</a:t>
-            </a:r>
-          </a:p>
-          <a:p>
-            <a:pPr marL="368934" indent="-368934" defTabSz="484886">
-              <a:spcBef>
-                <a:spcPts val="3400"/>
-              </a:spcBef>
-              <a:defRPr sz="3154"/>
-            </a:pPr>
-            <a:r>
-              <a:t>Java入口是main一个类下只能有一个main函数</a:t>
-            </a:r>
-          </a:p>
-          <a:p>
-            <a:pPr marL="368934" indent="-368934" defTabSz="484886">
-              <a:spcBef>
-                <a:spcPts val="3400"/>
-              </a:spcBef>
-              <a:defRPr sz="3154"/>
-            </a:pPr>
-            <a:r>
-              <a:t>一个文件下可以有多个类，但只可以有一个public类</a:t>
-            </a:r>
-          </a:p>
-          <a:p>
-            <a:pPr marL="368934" indent="-368934" defTabSz="484886">
-              <a:spcBef>
-                <a:spcPts val="3400"/>
-              </a:spcBef>
-              <a:defRPr sz="3154"/>
-            </a:pPr>
-            <a:r>
-              <a:t>数组操作比如有ArrayList类，可以进行动态数组操作</a:t>
-            </a:r>
-          </a:p>
-          <a:p>
-            <a:pPr marL="368934" indent="-368934" defTabSz="484886">
-              <a:spcBef>
-                <a:spcPts val="3400"/>
-              </a:spcBef>
-              <a:defRPr sz="3154"/>
-            </a:pPr>
-            <a:r>
-              <a:t>Java注释规范查一下(有javadoc直接生产文档的</a:t>
-            </a:r>
-          </a:p>
-          <a:p>
-            <a:pPr marL="368934" indent="-368934" defTabSz="484886">
-              <a:spcBef>
-                <a:spcPts val="3400"/>
-              </a:spcBef>
-              <a:defRPr sz="3154"/>
-            </a:pPr>
-            <a:r>
-              <a:t>eclipse一些简单实用:右键source里面可以生成比如toString，set()，get()方法</a:t>
-            </a:r>
-          </a:p>
-        </p:txBody>
-      </p:sp>
-    </p:spTree>
-  </p:cSld>
-  <p:clrMapOvr>
-    <a:masterClrMapping/>
-  </p:clrMapOvr>
-  <p:transition xmlns:p14="http://schemas.microsoft.com/office/powerpoint/2010/main" spd="med" advClick="1" p14:dur="1000"/>
-</p:sld>
-</file>
-
-<file path=ppt/slides/slide7.xml><?xml version="1.0" encoding="utf-8"?>
-<p:sld xmlns:a="http://schemas.openxmlformats.org/drawingml/2006/main" xmlns:r="http://schemas.openxmlformats.org/officeDocument/2006/relationships" xmlns:p="http://schemas.openxmlformats.org/presentationml/2006/main" showMasterSp="1" showMasterPhAnim="1">
-  <p:cSld>
-    <p:spTree>
-      <p:nvGrpSpPr>
-        <p:cNvPr id="1" name=""/>
-        <p:cNvGrpSpPr/>
-        <p:nvPr/>
-      </p:nvGrpSpPr>
-      <p:grpSpPr>
-        <a:xfrm>
-          <a:off x="0" y="0"/>
-          <a:ext cx="0" cy="0"/>
-          <a:chOff x="0" y="0"/>
-          <a:chExt cx="0" cy="0"/>
-        </a:xfrm>
-      </p:grpSpPr>
-      <p:sp>
-        <p:nvSpPr>
-          <p:cNvPr id="137" name="Shape 137"/>
-          <p:cNvSpPr/>
-          <p:nvPr>
-            <p:ph type="body" idx="1"/>
-          </p:nvPr>
-        </p:nvSpPr>
-        <p:spPr>
-          <a:prstGeom prst="rect">
-            <a:avLst/>
-          </a:prstGeom>
-        </p:spPr>
-        <p:txBody>
-          <a:bodyPr/>
-          <a:lstStyle/>
-          <a:p>
-            <a:pPr/>
-            <a:r>
-              <a:t>Java没用多维数组，所以每一行可以有不同的长度</a:t>
-            </a:r>
-          </a:p>
-          <a:p>
-            <a:pPr/>
-            <a:r>
-              <a:t>泛型数组，Java可以在运行时确定数组大小。如果要做动态数组还是实用ArrayList类。</a:t>
-            </a:r>
-          </a:p>
-          <a:p>
-            <a:pPr/>
-            <a:r>
-              <a:t>ArrayList&lt;class_name&gt; a = new ArrayList&lt;class_name&gt;();</a:t>
-            </a:r>
-          </a:p>
-        </p:txBody>
-      </p:sp>
-    </p:spTree>
-  </p:cSld>
-  <p:clrMapOvr>
-    <a:masterClrMapping/>
-  </p:clrMapOvr>
-  <p:transition xmlns:p14="http://schemas.microsoft.com/office/powerpoint/2010/main" spd="med" advClick="1" p14:dur="1000"/>
 </p:sld>
 </file>
 
@@ -3963,7 +4956,7 @@
       </p:grpSpPr>
       <p:sp>
         <p:nvSpPr>
-          <p:cNvPr id="139" name="Shape 139"/>
+          <p:cNvPr id="137" name="Shape 137"/>
           <p:cNvSpPr/>
           <p:nvPr>
             <p:ph type="title"/>
@@ -3978,22 +4971,23 @@
           <a:bodyPr/>
           <a:lstStyle/>
           <a:p>
-            <a:pPr lvl="1"/>
-            <a:r>
-              <a:t>类</a:t>
-            </a:r>
+            <a:pPr/>
           </a:p>
         </p:txBody>
       </p:sp>
       <p:sp>
         <p:nvSpPr>
-          <p:cNvPr id="140" name="Shape 140"/>
+          <p:cNvPr id="138" name="Shape 138"/>
           <p:cNvSpPr/>
           <p:nvPr>
             <p:ph type="body" idx="1"/>
           </p:nvPr>
         </p:nvSpPr>
         <p:spPr>
+          <a:xfrm>
+            <a:off x="495300" y="2597150"/>
+            <a:ext cx="11099800" cy="6286500"/>
+          </a:xfrm>
           <a:prstGeom prst="rect">
             <a:avLst/>
           </a:prstGeom>
@@ -4002,106 +4996,83 @@
           <a:bodyPr/>
           <a:lstStyle/>
           <a:p>
-            <a:pPr marL="257809" indent="-257809" defTabSz="338835">
-              <a:spcBef>
-                <a:spcPts val="2400"/>
-              </a:spcBef>
-              <a:defRPr sz="2204"/>
-            </a:pPr>
-            <a:r>
-              <a:t>预定义类 Math  Date Random ArrayList Map </a:t>
-            </a:r>
-          </a:p>
-          <a:p>
-            <a:pPr marL="257809" indent="-257809" defTabSz="338835">
-              <a:spcBef>
-                <a:spcPts val="2400"/>
-              </a:spcBef>
-              <a:defRPr sz="2204"/>
-            </a:pPr>
-            <a:r>
-              <a:t>一个对象变量不会实际包含一个对象，只会引用一个对象</a:t>
-            </a:r>
-          </a:p>
-          <a:p>
-            <a:pPr marL="257809" indent="-257809" defTabSz="338835">
-              <a:spcBef>
-                <a:spcPts val="2400"/>
-              </a:spcBef>
-              <a:defRPr sz="2204"/>
-            </a:pPr>
-            <a:r>
-              <a:t>习惯上更改器setName()，访问器getName()//属性私有</a:t>
-            </a:r>
-          </a:p>
-          <a:p>
-            <a:pPr marL="257809" indent="-257809" defTabSz="338835">
-              <a:spcBef>
-                <a:spcPts val="2400"/>
-              </a:spcBef>
-              <a:defRPr sz="2204"/>
-            </a:pPr>
-            <a:r>
-              <a:t>Java方法是按值传递</a:t>
-            </a:r>
-          </a:p>
-          <a:p>
-            <a:pPr marL="257809" indent="-257809" defTabSz="338835">
-              <a:spcBef>
-                <a:spcPts val="2400"/>
-              </a:spcBef>
-              <a:defRPr sz="2204"/>
-            </a:pPr>
-            <a:r>
-              <a:t>构造器没有显示地赋值，就会自动赋默认值数值为0，boolean为false，对象引用为null</a:t>
-            </a:r>
-          </a:p>
-          <a:p>
-            <a:pPr marL="257809" indent="-257809" defTabSz="338835">
-              <a:spcBef>
-                <a:spcPts val="2400"/>
-              </a:spcBef>
-              <a:defRPr sz="2204"/>
-            </a:pPr>
-            <a:r>
-              <a:t>系统</a:t>
-            </a:r>
-            <a:r>
-              <a:rPr>
-                <a:solidFill>
-                  <a:srgbClr val="FF2800"/>
-                </a:solidFill>
-              </a:rPr>
-              <a:t>只有</a:t>
-            </a:r>
-            <a:r>
-              <a:t>当对象没有构造函数时，才会提供默认的构造函数，好习惯是写一个无参构造函数。</a:t>
-            </a:r>
-          </a:p>
-          <a:p>
-            <a:pPr marL="257809" indent="-257809" defTabSz="338835">
-              <a:spcBef>
-                <a:spcPts val="2400"/>
-              </a:spcBef>
-              <a:defRPr sz="2204"/>
-            </a:pPr>
-            <a:r>
-              <a:t>构造器中写如同this()；就是调用同一类的其他。</a:t>
-            </a:r>
-          </a:p>
-          <a:p>
-            <a:pPr marL="257809" indent="-257809" defTabSz="338835">
-              <a:spcBef>
-                <a:spcPts val="2400"/>
-              </a:spcBef>
-              <a:defRPr sz="2204"/>
-            </a:pPr>
-            <a:r>
-              <a:t>Java用包管理类。命名规范</a:t>
+            <a:pPr/>
+            <a:r>
+              <a:t>不能在嵌套的块作用域内声明相同变量</a:t>
+            </a:r>
+          </a:p>
+          <a:p>
+            <a:pPr/>
+            <a:r>
+              <a:t>循环选择语句基本一样</a:t>
+            </a:r>
+          </a:p>
+          <a:p>
+            <a:pPr/>
+            <a:r>
+              <a:t>java foreach</a:t>
             </a:r>
           </a:p>
         </p:txBody>
       </p:sp>
+      <p:pic>
+        <p:nvPicPr>
+          <p:cNvPr id="139" name="pasted-image.png"/>
+          <p:cNvPicPr>
+            <a:picLocks noChangeAspect="1"/>
+          </p:cNvPicPr>
+          <p:nvPr/>
+        </p:nvPicPr>
+        <p:blipFill>
+          <a:blip r:embed="rId2">
+            <a:extLst/>
+          </a:blip>
+          <a:stretch>
+            <a:fillRect/>
+          </a:stretch>
+        </p:blipFill>
+        <p:spPr>
+          <a:xfrm>
+            <a:off x="8928100" y="2476500"/>
+            <a:ext cx="3505200" cy="2184400"/>
+          </a:xfrm>
+          <a:prstGeom prst="rect">
+            <a:avLst/>
+          </a:prstGeom>
+          <a:ln w="12700">
+            <a:miter lim="400000"/>
+          </a:ln>
+        </p:spPr>
+      </p:pic>
+      <p:pic>
+        <p:nvPicPr>
+          <p:cNvPr id="140" name="pasted-image.png"/>
+          <p:cNvPicPr>
+            <a:picLocks noChangeAspect="1"/>
+          </p:cNvPicPr>
+          <p:nvPr/>
+        </p:nvPicPr>
+        <p:blipFill>
+          <a:blip r:embed="rId3">
+            <a:extLst/>
+          </a:blip>
+          <a:stretch>
+            <a:fillRect/>
+          </a:stretch>
+        </p:blipFill>
+        <p:spPr>
+          <a:xfrm>
+            <a:off x="7385050" y="5359400"/>
+            <a:ext cx="4152900" cy="3530600"/>
+          </a:xfrm>
+          <a:prstGeom prst="rect">
+            <a:avLst/>
+          </a:prstGeom>
+          <a:ln w="12700">
+            <a:miter lim="400000"/>
+          </a:ln>
+        </p:spPr>
+      </p:pic>
     </p:spTree>
   </p:cSld>
   <p:clrMapOvr>
@@ -4133,7 +5104,7 @@
           <p:cNvPr id="142" name="Shape 142"/>
           <p:cNvSpPr/>
           <p:nvPr>
-            <p:ph type="title"/>
+            <p:ph type="body" idx="1"/>
           </p:nvPr>
         </p:nvSpPr>
         <p:spPr>
@@ -4145,59 +5116,21 @@
           <a:bodyPr/>
           <a:lstStyle/>
           <a:p>
-            <a:pPr lvl="1" indent="178307" defTabSz="455675">
-              <a:defRPr sz="6240"/>
-            </a:pPr>
-            <a:r>
-              <a:t>类设计技巧(单指类，不全是oop</a:t>
-            </a:r>
-          </a:p>
-        </p:txBody>
-      </p:sp>
-      <p:sp>
-        <p:nvSpPr>
-          <p:cNvPr id="143" name="Shape 143"/>
-          <p:cNvSpPr/>
-          <p:nvPr>
-            <p:ph type="body" idx="1"/>
-          </p:nvPr>
-        </p:nvSpPr>
-        <p:spPr>
-          <a:prstGeom prst="rect">
-            <a:avLst/>
-          </a:prstGeom>
-        </p:spPr>
-        <p:txBody>
-          <a:bodyPr/>
-          <a:lstStyle/>
-          <a:p>
-            <a:pPr/>
-            <a:r>
-              <a:t>保证数据私有，不要破坏封装性</a:t>
-            </a:r>
-          </a:p>
-          <a:p>
-            <a:pPr/>
-            <a:r>
-              <a:t>对数据初始化</a:t>
-            </a:r>
-          </a:p>
-          <a:p>
-            <a:pPr/>
-            <a:r>
-              <a:t>不要在类中使用过多基本变量(就是指通过将基本类型封装到对象之中，通过调用对象方法实现</a:t>
-            </a:r>
-          </a:p>
-          <a:p>
-            <a:pPr/>
-            <a:r>
-              <a:t>不是所有的都需要设置访问器和更改器</a:t>
-            </a:r>
-          </a:p>
-          <a:p>
-            <a:pPr/>
-            <a:r>
-              <a:t>分割功能过多的类</a:t>
+            <a:pPr/>
+            <a:r>
+              <a:t>Java没用多维数组，所以每一行可以有不同的长度</a:t>
+            </a:r>
+          </a:p>
+          <a:p>
+            <a:pPr/>
+            <a:r>
+              <a:t>泛型数组，Java可以在运行时确定数组大小。如果要做动态数组还是实用ArrayList类。</a:t>
+            </a:r>
+          </a:p>
+          <a:p>
+            <a:pPr/>
+            <a:r>
+              <a:t>ArrayList&lt;class_name&gt; a = new ArrayList&lt;class_name&gt;();</a:t>
             </a:r>
           </a:p>
         </p:txBody>
